--- a/Proyecto_Modulo3.pptx
+++ b/Proyecto_Modulo3.pptx
@@ -925,7 +925,7 @@
       </p:grpSpPr>
       <p:sp>
         <p:nvSpPr>
-          <p:cNvPr id="286" name="Google Shape;286;g6b6164fbc5_0_27:notes"/>
+          <p:cNvPr id="286" name="Google Shape;286;g61c43cb06b_0_247:notes"/>
           <p:cNvSpPr/>
           <p:nvPr>
             <p:ph idx="2" type="sldImg"/>
@@ -960,7 +960,7 @@
       </p:sp>
       <p:sp>
         <p:nvSpPr>
-          <p:cNvPr id="287" name="Google Shape;287;g6b6164fbc5_0_27:notes"/>
+          <p:cNvPr id="287" name="Google Shape;287;g61c43cb06b_0_247:notes"/>
           <p:cNvSpPr txBox="1"/>
           <p:nvPr>
             <p:ph idx="1" type="body"/>
@@ -1010,7 +1010,7 @@
   <p:cSld>
     <p:spTree>
       <p:nvGrpSpPr>
-        <p:cNvPr id="292" name="Shape 292"/>
+        <p:cNvPr id="291" name="Shape 291"/>
         <p:cNvGrpSpPr/>
         <p:nvPr/>
       </p:nvGrpSpPr>
@@ -1024,7 +1024,7 @@
       </p:grpSpPr>
       <p:sp>
         <p:nvSpPr>
-          <p:cNvPr id="293" name="Google Shape;293;g61c43cb06b_0_247:notes"/>
+          <p:cNvPr id="292" name="Google Shape;292;g61c43cb06b_0_522:notes"/>
           <p:cNvSpPr/>
           <p:nvPr>
             <p:ph idx="2" type="sldImg"/>
@@ -1059,7 +1059,7 @@
       </p:sp>
       <p:sp>
         <p:nvSpPr>
-          <p:cNvPr id="294" name="Google Shape;294;g61c43cb06b_0_247:notes"/>
+          <p:cNvPr id="293" name="Google Shape;293;g61c43cb06b_0_522:notes"/>
           <p:cNvSpPr txBox="1"/>
           <p:nvPr>
             <p:ph idx="1" type="body"/>
@@ -1109,7 +1109,7 @@
   <p:cSld>
     <p:spTree>
       <p:nvGrpSpPr>
-        <p:cNvPr id="298" name="Shape 298"/>
+        <p:cNvPr id="297" name="Shape 297"/>
         <p:cNvGrpSpPr/>
         <p:nvPr/>
       </p:nvGrpSpPr>
@@ -1123,7 +1123,7 @@
       </p:grpSpPr>
       <p:sp>
         <p:nvSpPr>
-          <p:cNvPr id="299" name="Google Shape;299;g61c43cb06b_0_522:notes"/>
+          <p:cNvPr id="298" name="Google Shape;298;g61c43cb06b_0_527:notes"/>
           <p:cNvSpPr/>
           <p:nvPr>
             <p:ph idx="2" type="sldImg"/>
@@ -1158,7 +1158,7 @@
       </p:sp>
       <p:sp>
         <p:nvSpPr>
-          <p:cNvPr id="300" name="Google Shape;300;g61c43cb06b_0_522:notes"/>
+          <p:cNvPr id="299" name="Google Shape;299;g61c43cb06b_0_527:notes"/>
           <p:cNvSpPr txBox="1"/>
           <p:nvPr>
             <p:ph idx="1" type="body"/>
@@ -1208,7 +1208,7 @@
   <p:cSld>
     <p:spTree>
       <p:nvGrpSpPr>
-        <p:cNvPr id="304" name="Shape 304"/>
+        <p:cNvPr id="306" name="Shape 306"/>
         <p:cNvGrpSpPr/>
         <p:nvPr/>
       </p:nvGrpSpPr>
@@ -1222,7 +1222,7 @@
       </p:grpSpPr>
       <p:sp>
         <p:nvSpPr>
-          <p:cNvPr id="305" name="Google Shape;305;g61c43cb06b_0_527:notes"/>
+          <p:cNvPr id="307" name="Google Shape;307;g7a953b86b0_0_0:notes"/>
           <p:cNvSpPr/>
           <p:nvPr>
             <p:ph idx="2" type="sldImg"/>
@@ -1257,7 +1257,7 @@
       </p:sp>
       <p:sp>
         <p:nvSpPr>
-          <p:cNvPr id="306" name="Google Shape;306;g61c43cb06b_0_527:notes"/>
+          <p:cNvPr id="308" name="Google Shape;308;g7a953b86b0_0_0:notes"/>
           <p:cNvSpPr txBox="1"/>
           <p:nvPr>
             <p:ph idx="1" type="body"/>
@@ -1307,7 +1307,7 @@
   <p:cSld>
     <p:spTree>
       <p:nvGrpSpPr>
-        <p:cNvPr id="313" name="Shape 313"/>
+        <p:cNvPr id="312" name="Shape 312"/>
         <p:cNvGrpSpPr/>
         <p:nvPr/>
       </p:nvGrpSpPr>
@@ -1321,7 +1321,7 @@
       </p:grpSpPr>
       <p:sp>
         <p:nvSpPr>
-          <p:cNvPr id="314" name="Google Shape;314;g6b6164fbc5_0_17:notes"/>
+          <p:cNvPr id="313" name="Google Shape;313;g6b6164fbc5_0_17:notes"/>
           <p:cNvSpPr/>
           <p:nvPr>
             <p:ph idx="2" type="sldImg"/>
@@ -1356,7 +1356,7 @@
       </p:sp>
       <p:sp>
         <p:nvSpPr>
-          <p:cNvPr id="315" name="Google Shape;315;g6b6164fbc5_0_17:notes"/>
+          <p:cNvPr id="314" name="Google Shape;314;g6b6164fbc5_0_17:notes"/>
           <p:cNvSpPr txBox="1"/>
           <p:nvPr>
             <p:ph idx="1" type="body"/>
@@ -1406,7 +1406,7 @@
   <p:cSld>
     <p:spTree>
       <p:nvGrpSpPr>
-        <p:cNvPr id="319" name="Shape 319"/>
+        <p:cNvPr id="318" name="Shape 318"/>
         <p:cNvGrpSpPr/>
         <p:nvPr/>
       </p:nvGrpSpPr>
@@ -1420,7 +1420,7 @@
       </p:grpSpPr>
       <p:sp>
         <p:nvSpPr>
-          <p:cNvPr id="320" name="Google Shape;320;g61c43cb06b_1_12:notes"/>
+          <p:cNvPr id="319" name="Google Shape;319;g61c43cb06b_1_12:notes"/>
           <p:cNvSpPr/>
           <p:nvPr>
             <p:ph idx="2" type="sldImg"/>
@@ -1455,7 +1455,7 @@
       </p:sp>
       <p:sp>
         <p:nvSpPr>
-          <p:cNvPr id="321" name="Google Shape;321;g61c43cb06b_1_12:notes"/>
+          <p:cNvPr id="320" name="Google Shape;320;g61c43cb06b_1_12:notes"/>
           <p:cNvSpPr txBox="1"/>
           <p:nvPr>
             <p:ph idx="1" type="body"/>
@@ -1505,7 +1505,7 @@
   <p:cSld>
     <p:spTree>
       <p:nvGrpSpPr>
-        <p:cNvPr id="325" name="Shape 325"/>
+        <p:cNvPr id="324" name="Shape 324"/>
         <p:cNvGrpSpPr/>
         <p:nvPr/>
       </p:nvGrpSpPr>
@@ -1519,7 +1519,7 @@
       </p:grpSpPr>
       <p:sp>
         <p:nvSpPr>
-          <p:cNvPr id="326" name="Google Shape;326;g61c43cb06b_0_539:notes"/>
+          <p:cNvPr id="325" name="Google Shape;325;g61c43cb06b_0_539:notes"/>
           <p:cNvSpPr/>
           <p:nvPr>
             <p:ph idx="2" type="sldImg"/>
@@ -1554,7 +1554,7 @@
       </p:sp>
       <p:sp>
         <p:nvSpPr>
-          <p:cNvPr id="327" name="Google Shape;327;g61c43cb06b_0_539:notes"/>
+          <p:cNvPr id="326" name="Google Shape;326;g61c43cb06b_0_539:notes"/>
           <p:cNvSpPr txBox="1"/>
           <p:nvPr>
             <p:ph idx="1" type="body"/>
@@ -16112,23 +16112,6 @@
             </a:pPr>
             <a:r>
               <a:rPr lang="es"/>
-              <a:t>Ecuación Diferencial</a:t>
-            </a:r>
-            <a:endParaRPr/>
-          </a:p>
-          <a:p>
-            <a:pPr indent="-311150" lvl="0" marL="457200" rtl="0" algn="l">
-              <a:spcBef>
-                <a:spcPts val="0"/>
-              </a:spcBef>
-              <a:spcAft>
-                <a:spcPts val="0"/>
-              </a:spcAft>
-              <a:buSzPts val="1300"/>
-              <a:buAutoNum type="arabicPeriod"/>
-            </a:pPr>
-            <a:r>
-              <a:rPr lang="es"/>
               <a:t>Definición</a:t>
             </a:r>
             <a:endParaRPr/>
@@ -16262,7 +16245,7 @@
             </a:pPr>
             <a:r>
               <a:rPr lang="es"/>
-              <a:t>Ecuaciones Diferenciales</a:t>
+              <a:t>Definición</a:t>
             </a:r>
             <a:endParaRPr/>
           </a:p>
@@ -16271,155 +16254,6 @@
       <p:sp>
         <p:nvSpPr>
           <p:cNvPr id="290" name="Google Shape;290;p15"/>
-          <p:cNvSpPr txBox="1"/>
-          <p:nvPr>
-            <p:ph idx="1" type="body"/>
-          </p:nvPr>
-        </p:nvSpPr>
-        <p:spPr>
-          <a:xfrm>
-            <a:off x="1303800" y="1597875"/>
-            <a:ext cx="7030500" cy="2541600"/>
-          </a:xfrm>
-          <a:prstGeom prst="rect">
-            <a:avLst/>
-          </a:prstGeom>
-        </p:spPr>
-        <p:txBody>
-          <a:bodyPr anchorCtr="0" anchor="t" bIns="91425" lIns="91425" spcFirstLastPara="1" rIns="91425" wrap="square" tIns="91425">
-            <a:noAutofit/>
-          </a:bodyPr>
-          <a:lstStyle/>
-          <a:p>
-            <a:pPr indent="0" lvl="0" marL="0" rtl="0" algn="just">
-              <a:spcBef>
-                <a:spcPts val="0"/>
-              </a:spcBef>
-              <a:spcAft>
-                <a:spcPts val="0"/>
-              </a:spcAft>
-              <a:buNone/>
-            </a:pPr>
-            <a:r>
-              <a:rPr lang="es"/>
-              <a:t>Se llama ecuación diferencial a toda ecuación que contiene las derivadas de una o más variables dependientes respecto a una o más variables independientes.</a:t>
-            </a:r>
-            <a:endParaRPr/>
-          </a:p>
-          <a:p>
-            <a:pPr indent="0" lvl="0" marL="0" rtl="0" algn="just">
-              <a:spcBef>
-                <a:spcPts val="1600"/>
-              </a:spcBef>
-              <a:spcAft>
-                <a:spcPts val="1600"/>
-              </a:spcAft>
-              <a:buNone/>
-            </a:pPr>
-            <a:r>
-              <a:rPr lang="es"/>
-              <a:t>Muchas de las leyes generales de la naturaleza encuentran su expresión más natural en el lenguaje de las ecuaciones diferenciales. También tienen múltiples aplicaciones en Geometría, Ingeniería, Economía y muchos otros campos de las Ciencias Aplicadas. </a:t>
-            </a:r>
-            <a:endParaRPr/>
-          </a:p>
-        </p:txBody>
-      </p:sp>
-      <p:pic>
-        <p:nvPicPr>
-          <p:cNvPr id="291" name="Google Shape;291;p15"/>
-          <p:cNvPicPr preferRelativeResize="0"/>
-          <p:nvPr/>
-        </p:nvPicPr>
-        <p:blipFill>
-          <a:blip r:embed="rId3">
-            <a:alphaModFix/>
-          </a:blip>
-          <a:stretch>
-            <a:fillRect/>
-          </a:stretch>
-        </p:blipFill>
-        <p:spPr>
-          <a:xfrm>
-            <a:off x="4733850" y="3243025"/>
-            <a:ext cx="3388600" cy="1900475"/>
-          </a:xfrm>
-          <a:prstGeom prst="rect">
-            <a:avLst/>
-          </a:prstGeom>
-          <a:noFill/>
-          <a:ln>
-            <a:noFill/>
-          </a:ln>
-        </p:spPr>
-      </p:pic>
-    </p:spTree>
-  </p:cSld>
-  <p:clrMapOvr>
-    <a:masterClrMapping/>
-  </p:clrMapOvr>
-</p:sld>
-</file>
-
-<file path=ppt/slides/slide4.xml><?xml version="1.0" encoding="utf-8"?>
-<p:sld xmlns:a="http://schemas.openxmlformats.org/drawingml/2006/main" xmlns:r="http://schemas.openxmlformats.org/officeDocument/2006/relationships" xmlns:mc="http://schemas.openxmlformats.org/markup-compatibility/2006" xmlns:mv="urn:schemas-microsoft-com:mac:vml" xmlns:p="http://schemas.openxmlformats.org/presentationml/2006/main" xmlns:c="http://schemas.openxmlformats.org/drawingml/2006/chart" xmlns:dgm="http://schemas.openxmlformats.org/drawingml/2006/diagram" xmlns:o="urn:schemas-microsoft-com:office:office" xmlns:v="urn:schemas-microsoft-com:vml" xmlns:pvml="urn:schemas-microsoft-com:office:powerpoint" xmlns:com="http://schemas.openxmlformats.org/drawingml/2006/compatibility" xmlns:p14="http://schemas.microsoft.com/office/powerpoint/2010/main" xmlns:p15="http://schemas.microsoft.com/office/powerpoint/2012/main">
-  <p:cSld>
-    <p:spTree>
-      <p:nvGrpSpPr>
-        <p:cNvPr id="295" name="Shape 295"/>
-        <p:cNvGrpSpPr/>
-        <p:nvPr/>
-      </p:nvGrpSpPr>
-      <p:grpSpPr>
-        <a:xfrm>
-          <a:off x="0" y="0"/>
-          <a:ext cx="0" cy="0"/>
-          <a:chOff x="0" y="0"/>
-          <a:chExt cx="0" cy="0"/>
-        </a:xfrm>
-      </p:grpSpPr>
-      <p:sp>
-        <p:nvSpPr>
-          <p:cNvPr id="296" name="Google Shape;296;p16"/>
-          <p:cNvSpPr txBox="1"/>
-          <p:nvPr>
-            <p:ph type="title"/>
-          </p:nvPr>
-        </p:nvSpPr>
-        <p:spPr>
-          <a:xfrm>
-            <a:off x="1303800" y="598575"/>
-            <a:ext cx="7030500" cy="999300"/>
-          </a:xfrm>
-          <a:prstGeom prst="rect">
-            <a:avLst/>
-          </a:prstGeom>
-        </p:spPr>
-        <p:txBody>
-          <a:bodyPr anchorCtr="0" anchor="t" bIns="91425" lIns="91425" spcFirstLastPara="1" rIns="91425" wrap="square" tIns="91425">
-            <a:noAutofit/>
-          </a:bodyPr>
-          <a:lstStyle/>
-          <a:p>
-            <a:pPr indent="0" lvl="0" marL="0" rtl="0" algn="l">
-              <a:spcBef>
-                <a:spcPts val="0"/>
-              </a:spcBef>
-              <a:spcAft>
-                <a:spcPts val="0"/>
-              </a:spcAft>
-              <a:buNone/>
-            </a:pPr>
-            <a:r>
-              <a:rPr lang="es"/>
-              <a:t>Definición</a:t>
-            </a:r>
-            <a:endParaRPr/>
-          </a:p>
-        </p:txBody>
-      </p:sp>
-      <p:sp>
-        <p:nvSpPr>
-          <p:cNvPr id="297" name="Google Shape;297;p16"/>
           <p:cNvSpPr txBox="1"/>
           <p:nvPr>
             <p:ph idx="1" type="body"/>
@@ -16440,7 +16274,7 @@
           </a:bodyPr>
           <a:lstStyle/>
           <a:p>
-            <a:pPr indent="0" lvl="0" marL="0" rtl="0" algn="l">
+            <a:pPr indent="0" lvl="0" marL="0" rtl="0" algn="just">
               <a:spcBef>
                 <a:spcPts val="1200"/>
               </a:spcBef>
@@ -16472,7 +16306,7 @@
             </a:endParaRPr>
           </a:p>
           <a:p>
-            <a:pPr indent="0" lvl="0" marL="0" rtl="0" algn="l">
+            <a:pPr indent="0" lvl="0" marL="0" rtl="0" algn="just">
               <a:spcBef>
                 <a:spcPts val="1200"/>
               </a:spcBef>
@@ -16504,7 +16338,7 @@
             </a:endParaRPr>
           </a:p>
           <a:p>
-            <a:pPr indent="-301625" lvl="0" marL="685800" rtl="0" algn="l">
+            <a:pPr indent="-301625" lvl="0" marL="685800" rtl="0" algn="just">
               <a:spcBef>
                 <a:spcPts val="1200"/>
               </a:spcBef>
@@ -16553,7 +16387,7 @@
             </a:endParaRPr>
           </a:p>
           <a:p>
-            <a:pPr indent="-301625" lvl="0" marL="685800" rtl="0" algn="l">
+            <a:pPr indent="-301625" lvl="0" marL="685800" rtl="0" algn="just">
               <a:spcBef>
                 <a:spcPts val="0"/>
               </a:spcBef>
@@ -16626,12 +16460,12 @@
 </p:sld>
 </file>
 
-<file path=ppt/slides/slide5.xml><?xml version="1.0" encoding="utf-8"?>
+<file path=ppt/slides/slide4.xml><?xml version="1.0" encoding="utf-8"?>
 <p:sld xmlns:a="http://schemas.openxmlformats.org/drawingml/2006/main" xmlns:r="http://schemas.openxmlformats.org/officeDocument/2006/relationships" xmlns:mc="http://schemas.openxmlformats.org/markup-compatibility/2006" xmlns:mv="urn:schemas-microsoft-com:mac:vml" xmlns:p="http://schemas.openxmlformats.org/presentationml/2006/main" xmlns:c="http://schemas.openxmlformats.org/drawingml/2006/chart" xmlns:dgm="http://schemas.openxmlformats.org/drawingml/2006/diagram" xmlns:o="urn:schemas-microsoft-com:office:office" xmlns:v="urn:schemas-microsoft-com:vml" xmlns:pvml="urn:schemas-microsoft-com:office:powerpoint" xmlns:com="http://schemas.openxmlformats.org/drawingml/2006/compatibility" xmlns:p14="http://schemas.microsoft.com/office/powerpoint/2010/main" xmlns:p15="http://schemas.microsoft.com/office/powerpoint/2012/main">
   <p:cSld>
     <p:spTree>
       <p:nvGrpSpPr>
-        <p:cNvPr id="301" name="Shape 301"/>
+        <p:cNvPr id="294" name="Shape 294"/>
         <p:cNvGrpSpPr/>
         <p:nvPr/>
       </p:nvGrpSpPr>
@@ -16645,7 +16479,7 @@
       </p:grpSpPr>
       <p:sp>
         <p:nvSpPr>
-          <p:cNvPr id="302" name="Google Shape;302;p17"/>
+          <p:cNvPr id="295" name="Google Shape;295;p16"/>
           <p:cNvSpPr txBox="1"/>
           <p:nvPr>
             <p:ph type="title"/>
@@ -16685,7 +16519,7 @@
       </p:sp>
       <p:sp>
         <p:nvSpPr>
-          <p:cNvPr id="303" name="Google Shape;303;p17"/>
+          <p:cNvPr id="296" name="Google Shape;296;p16"/>
           <p:cNvSpPr txBox="1"/>
           <p:nvPr>
             <p:ph idx="1" type="body"/>
@@ -16993,12 +16827,12 @@
 </p:sld>
 </file>
 
-<file path=ppt/slides/slide6.xml><?xml version="1.0" encoding="utf-8"?>
+<file path=ppt/slides/slide5.xml><?xml version="1.0" encoding="utf-8"?>
 <p:sld xmlns:a="http://schemas.openxmlformats.org/drawingml/2006/main" xmlns:r="http://schemas.openxmlformats.org/officeDocument/2006/relationships" xmlns:mc="http://schemas.openxmlformats.org/markup-compatibility/2006" xmlns:mv="urn:schemas-microsoft-com:mac:vml" xmlns:p="http://schemas.openxmlformats.org/presentationml/2006/main" xmlns:c="http://schemas.openxmlformats.org/drawingml/2006/chart" xmlns:dgm="http://schemas.openxmlformats.org/drawingml/2006/diagram" xmlns:o="urn:schemas-microsoft-com:office:office" xmlns:v="urn:schemas-microsoft-com:vml" xmlns:pvml="urn:schemas-microsoft-com:office:powerpoint" xmlns:com="http://schemas.openxmlformats.org/drawingml/2006/compatibility" xmlns:p14="http://schemas.microsoft.com/office/powerpoint/2010/main" xmlns:p15="http://schemas.microsoft.com/office/powerpoint/2012/main">
   <p:cSld>
     <p:spTree>
       <p:nvGrpSpPr>
-        <p:cNvPr id="307" name="Shape 307"/>
+        <p:cNvPr id="300" name="Shape 300"/>
         <p:cNvGrpSpPr/>
         <p:nvPr/>
       </p:nvGrpSpPr>
@@ -17012,7 +16846,7 @@
       </p:grpSpPr>
       <p:sp>
         <p:nvSpPr>
-          <p:cNvPr id="308" name="Google Shape;308;p18"/>
+          <p:cNvPr id="301" name="Google Shape;301;p17"/>
           <p:cNvSpPr txBox="1"/>
           <p:nvPr>
             <p:ph type="title"/>
@@ -17052,7 +16886,7 @@
       </p:sp>
       <p:sp>
         <p:nvSpPr>
-          <p:cNvPr id="309" name="Google Shape;309;p18"/>
+          <p:cNvPr id="302" name="Google Shape;302;p17"/>
           <p:cNvSpPr txBox="1"/>
           <p:nvPr>
             <p:ph idx="1" type="body"/>
@@ -17614,7 +17448,7 @@
       </p:sp>
       <p:pic>
         <p:nvPicPr>
-          <p:cNvPr id="310" name="Google Shape;310;p18"/>
+          <p:cNvPr id="303" name="Google Shape;303;p17"/>
           <p:cNvPicPr preferRelativeResize="0"/>
           <p:nvPr/>
         </p:nvPicPr>
@@ -17642,7 +17476,7 @@
       </p:pic>
       <p:pic>
         <p:nvPicPr>
-          <p:cNvPr id="311" name="Google Shape;311;p18"/>
+          <p:cNvPr id="304" name="Google Shape;304;p17"/>
           <p:cNvPicPr preferRelativeResize="0"/>
           <p:nvPr/>
         </p:nvPicPr>
@@ -17670,7 +17504,7 @@
       </p:pic>
       <p:pic>
         <p:nvPicPr>
-          <p:cNvPr id="312" name="Google Shape;312;p18"/>
+          <p:cNvPr id="305" name="Google Shape;305;p17"/>
           <p:cNvPicPr preferRelativeResize="0"/>
           <p:nvPr/>
         </p:nvPicPr>
@@ -17704,12 +17538,12 @@
 </p:sld>
 </file>
 
-<file path=ppt/slides/slide7.xml><?xml version="1.0" encoding="utf-8"?>
+<file path=ppt/slides/slide6.xml><?xml version="1.0" encoding="utf-8"?>
 <p:sld xmlns:a="http://schemas.openxmlformats.org/drawingml/2006/main" xmlns:r="http://schemas.openxmlformats.org/officeDocument/2006/relationships" xmlns:mc="http://schemas.openxmlformats.org/markup-compatibility/2006" xmlns:mv="urn:schemas-microsoft-com:mac:vml" xmlns:p="http://schemas.openxmlformats.org/presentationml/2006/main" xmlns:c="http://schemas.openxmlformats.org/drawingml/2006/chart" xmlns:dgm="http://schemas.openxmlformats.org/drawingml/2006/diagram" xmlns:o="urn:schemas-microsoft-com:office:office" xmlns:v="urn:schemas-microsoft-com:vml" xmlns:pvml="urn:schemas-microsoft-com:office:powerpoint" xmlns:com="http://schemas.openxmlformats.org/drawingml/2006/compatibility" xmlns:p14="http://schemas.microsoft.com/office/powerpoint/2010/main" xmlns:p15="http://schemas.microsoft.com/office/powerpoint/2012/main">
   <p:cSld>
     <p:spTree>
       <p:nvGrpSpPr>
-        <p:cNvPr id="316" name="Shape 316"/>
+        <p:cNvPr id="309" name="Shape 309"/>
         <p:cNvGrpSpPr/>
         <p:nvPr/>
       </p:nvGrpSpPr>
@@ -17723,7 +17557,365 @@
       </p:grpSpPr>
       <p:pic>
         <p:nvPicPr>
-          <p:cNvPr id="317" name="Google Shape;317;p19"/>
+          <p:cNvPr id="310" name="Google Shape;310;p18"/>
+          <p:cNvPicPr preferRelativeResize="0"/>
+          <p:nvPr/>
+        </p:nvPicPr>
+        <p:blipFill>
+          <a:blip r:embed="rId3">
+            <a:alphaModFix/>
+          </a:blip>
+          <a:stretch>
+            <a:fillRect/>
+          </a:stretch>
+        </p:blipFill>
+        <p:spPr>
+          <a:xfrm>
+            <a:off x="600213" y="1370125"/>
+            <a:ext cx="2299675" cy="3431400"/>
+          </a:xfrm>
+          <a:prstGeom prst="rect">
+            <a:avLst/>
+          </a:prstGeom>
+          <a:noFill/>
+          <a:ln>
+            <a:noFill/>
+          </a:ln>
+        </p:spPr>
+      </p:pic>
+      <p:sp>
+        <p:nvSpPr>
+          <p:cNvPr id="311" name="Google Shape;311;p18"/>
+          <p:cNvSpPr txBox="1"/>
+          <p:nvPr/>
+        </p:nvSpPr>
+        <p:spPr>
+          <a:xfrm>
+            <a:off x="3153688" y="1403750"/>
+            <a:ext cx="5390100" cy="3397800"/>
+          </a:xfrm>
+          <a:prstGeom prst="rect">
+            <a:avLst/>
+          </a:prstGeom>
+          <a:noFill/>
+          <a:ln>
+            <a:noFill/>
+          </a:ln>
+        </p:spPr>
+        <p:txBody>
+          <a:bodyPr anchorCtr="0" anchor="t" bIns="91425" lIns="91425" spcFirstLastPara="1" rIns="91425" wrap="square" tIns="91425">
+            <a:noAutofit/>
+          </a:bodyPr>
+          <a:lstStyle/>
+          <a:p>
+            <a:pPr indent="0" lvl="0" marL="0" rtl="0" algn="just">
+              <a:lnSpc>
+                <a:spcPct val="115000"/>
+              </a:lnSpc>
+              <a:spcBef>
+                <a:spcPts val="0"/>
+              </a:spcBef>
+              <a:spcAft>
+                <a:spcPts val="0"/>
+              </a:spcAft>
+              <a:buNone/>
+            </a:pPr>
+            <a:r>
+              <a:rPr lang="es">
+                <a:highlight>
+                  <a:srgbClr val="FFFFFF"/>
+                </a:highlight>
+              </a:rPr>
+              <a:t>El </a:t>
+            </a:r>
+            <a:r>
+              <a:rPr lang="es">
+                <a:highlight>
+                  <a:srgbClr val="FFFFFF"/>
+                </a:highlight>
+              </a:rPr>
+              <a:t>número</a:t>
+            </a:r>
+            <a:r>
+              <a:rPr lang="es">
+                <a:highlight>
+                  <a:srgbClr val="FFFFFF"/>
+                </a:highlight>
+              </a:rPr>
+              <a:t> de periodos que se debe dejar invertido el dinero es 56 Al final del periodo el capital es 5024.0 Con una tasa de interés del 2.7 %</a:t>
+            </a:r>
+            <a:endParaRPr>
+              <a:highlight>
+                <a:srgbClr val="FFFFFF"/>
+              </a:highlight>
+            </a:endParaRPr>
+          </a:p>
+          <a:p>
+            <a:pPr indent="0" lvl="0" marL="0" rtl="0" algn="just">
+              <a:spcBef>
+                <a:spcPts val="0"/>
+              </a:spcBef>
+              <a:spcAft>
+                <a:spcPts val="0"/>
+              </a:spcAft>
+              <a:buNone/>
+            </a:pPr>
+            <a:r>
+              <a:t/>
+            </a:r>
+            <a:endParaRPr>
+              <a:latin typeface="Nunito"/>
+              <a:ea typeface="Nunito"/>
+              <a:cs typeface="Nunito"/>
+              <a:sym typeface="Nunito"/>
+            </a:endParaRPr>
+          </a:p>
+          <a:p>
+            <a:pPr indent="0" lvl="0" marL="0" rtl="0" algn="just">
+              <a:spcBef>
+                <a:spcPts val="0"/>
+              </a:spcBef>
+              <a:spcAft>
+                <a:spcPts val="0"/>
+              </a:spcAft>
+              <a:buNone/>
+            </a:pPr>
+            <a:r>
+              <a:t/>
+            </a:r>
+            <a:endParaRPr>
+              <a:latin typeface="Nunito"/>
+              <a:ea typeface="Nunito"/>
+              <a:cs typeface="Nunito"/>
+              <a:sym typeface="Nunito"/>
+            </a:endParaRPr>
+          </a:p>
+          <a:p>
+            <a:pPr indent="0" lvl="0" marL="0" rtl="0" algn="just">
+              <a:lnSpc>
+                <a:spcPct val="115000"/>
+              </a:lnSpc>
+              <a:spcBef>
+                <a:spcPts val="0"/>
+              </a:spcBef>
+              <a:spcAft>
+                <a:spcPts val="0"/>
+              </a:spcAft>
+              <a:buNone/>
+            </a:pPr>
+            <a:r>
+              <a:t/>
+            </a:r>
+            <a:endParaRPr>
+              <a:highlight>
+                <a:srgbClr val="FFFFFF"/>
+              </a:highlight>
+            </a:endParaRPr>
+          </a:p>
+          <a:p>
+            <a:pPr indent="0" lvl="0" marL="0" rtl="0" algn="just">
+              <a:lnSpc>
+                <a:spcPct val="115000"/>
+              </a:lnSpc>
+              <a:spcBef>
+                <a:spcPts val="0"/>
+              </a:spcBef>
+              <a:spcAft>
+                <a:spcPts val="0"/>
+              </a:spcAft>
+              <a:buNone/>
+            </a:pPr>
+            <a:r>
+              <a:rPr lang="es">
+                <a:highlight>
+                  <a:srgbClr val="FFFFFF"/>
+                </a:highlight>
+              </a:rPr>
+              <a:t>El numero de periodos que se debe dejar invertido el dinero es 67 Al final del periodo el capital es 5010.0 Con una tasa de interés del 1%</a:t>
+            </a:r>
+            <a:endParaRPr>
+              <a:highlight>
+                <a:srgbClr val="FFFFFF"/>
+              </a:highlight>
+            </a:endParaRPr>
+          </a:p>
+          <a:p>
+            <a:pPr indent="0" lvl="0" marL="0" rtl="0" algn="just">
+              <a:spcBef>
+                <a:spcPts val="0"/>
+              </a:spcBef>
+              <a:spcAft>
+                <a:spcPts val="0"/>
+              </a:spcAft>
+              <a:buNone/>
+            </a:pPr>
+            <a:r>
+              <a:t/>
+            </a:r>
+            <a:endParaRPr>
+              <a:latin typeface="Nunito"/>
+              <a:ea typeface="Nunito"/>
+              <a:cs typeface="Nunito"/>
+              <a:sym typeface="Nunito"/>
+            </a:endParaRPr>
+          </a:p>
+          <a:p>
+            <a:pPr indent="0" lvl="0" marL="0" rtl="0" algn="just">
+              <a:spcBef>
+                <a:spcPts val="0"/>
+              </a:spcBef>
+              <a:spcAft>
+                <a:spcPts val="0"/>
+              </a:spcAft>
+              <a:buNone/>
+            </a:pPr>
+            <a:r>
+              <a:t/>
+            </a:r>
+            <a:endParaRPr>
+              <a:latin typeface="Nunito"/>
+              <a:ea typeface="Nunito"/>
+              <a:cs typeface="Nunito"/>
+              <a:sym typeface="Nunito"/>
+            </a:endParaRPr>
+          </a:p>
+          <a:p>
+            <a:pPr indent="0" lvl="0" marL="0" rtl="0" algn="just">
+              <a:lnSpc>
+                <a:spcPct val="115000"/>
+              </a:lnSpc>
+              <a:spcBef>
+                <a:spcPts val="0"/>
+              </a:spcBef>
+              <a:spcAft>
+                <a:spcPts val="0"/>
+              </a:spcAft>
+              <a:buNone/>
+            </a:pPr>
+            <a:r>
+              <a:rPr lang="es">
+                <a:highlight>
+                  <a:srgbClr val="FFFFFF"/>
+                </a:highlight>
+              </a:rPr>
+              <a:t>El numero de periodos que se debe dejar invertido el dinero es 53 Al final del periodo el capital es 5004.25 Con una tasa de interés del 1.89 %</a:t>
+            </a:r>
+            <a:endParaRPr>
+              <a:highlight>
+                <a:srgbClr val="FFFFFF"/>
+              </a:highlight>
+            </a:endParaRPr>
+          </a:p>
+          <a:p>
+            <a:pPr indent="0" lvl="0" marL="0" rtl="0" algn="l">
+              <a:spcBef>
+                <a:spcPts val="0"/>
+              </a:spcBef>
+              <a:spcAft>
+                <a:spcPts val="0"/>
+              </a:spcAft>
+              <a:buNone/>
+            </a:pPr>
+            <a:r>
+              <a:t/>
+            </a:r>
+            <a:endParaRPr>
+              <a:latin typeface="Nunito"/>
+              <a:ea typeface="Nunito"/>
+              <a:cs typeface="Nunito"/>
+              <a:sym typeface="Nunito"/>
+            </a:endParaRPr>
+          </a:p>
+          <a:p>
+            <a:pPr indent="0" lvl="0" marL="0" rtl="0" algn="l">
+              <a:spcBef>
+                <a:spcPts val="0"/>
+              </a:spcBef>
+              <a:spcAft>
+                <a:spcPts val="0"/>
+              </a:spcAft>
+              <a:buNone/>
+            </a:pPr>
+            <a:r>
+              <a:t/>
+            </a:r>
+            <a:endParaRPr>
+              <a:latin typeface="Nunito"/>
+              <a:ea typeface="Nunito"/>
+              <a:cs typeface="Nunito"/>
+              <a:sym typeface="Nunito"/>
+            </a:endParaRPr>
+          </a:p>
+          <a:p>
+            <a:pPr indent="0" lvl="0" marL="0" rtl="0" algn="l">
+              <a:spcBef>
+                <a:spcPts val="0"/>
+              </a:spcBef>
+              <a:spcAft>
+                <a:spcPts val="0"/>
+              </a:spcAft>
+              <a:buNone/>
+            </a:pPr>
+            <a:r>
+              <a:t/>
+            </a:r>
+            <a:endParaRPr>
+              <a:latin typeface="Nunito"/>
+              <a:ea typeface="Nunito"/>
+              <a:cs typeface="Nunito"/>
+              <a:sym typeface="Nunito"/>
+            </a:endParaRPr>
+          </a:p>
+          <a:p>
+            <a:pPr indent="0" lvl="0" marL="0" rtl="0" algn="l">
+              <a:spcBef>
+                <a:spcPts val="0"/>
+              </a:spcBef>
+              <a:spcAft>
+                <a:spcPts val="0"/>
+              </a:spcAft>
+              <a:buNone/>
+            </a:pPr>
+            <a:r>
+              <a:t/>
+            </a:r>
+            <a:endParaRPr>
+              <a:latin typeface="Nunito"/>
+              <a:ea typeface="Nunito"/>
+              <a:cs typeface="Nunito"/>
+              <a:sym typeface="Nunito"/>
+            </a:endParaRPr>
+          </a:p>
+        </p:txBody>
+      </p:sp>
+    </p:spTree>
+  </p:cSld>
+  <p:clrMapOvr>
+    <a:masterClrMapping/>
+  </p:clrMapOvr>
+</p:sld>
+</file>
+
+<file path=ppt/slides/slide7.xml><?xml version="1.0" encoding="utf-8"?>
+<p:sld xmlns:a="http://schemas.openxmlformats.org/drawingml/2006/main" xmlns:r="http://schemas.openxmlformats.org/officeDocument/2006/relationships" xmlns:mc="http://schemas.openxmlformats.org/markup-compatibility/2006" xmlns:mv="urn:schemas-microsoft-com:mac:vml" xmlns:p="http://schemas.openxmlformats.org/presentationml/2006/main" xmlns:c="http://schemas.openxmlformats.org/drawingml/2006/chart" xmlns:dgm="http://schemas.openxmlformats.org/drawingml/2006/diagram" xmlns:o="urn:schemas-microsoft-com:office:office" xmlns:v="urn:schemas-microsoft-com:vml" xmlns:pvml="urn:schemas-microsoft-com:office:powerpoint" xmlns:com="http://schemas.openxmlformats.org/drawingml/2006/compatibility" xmlns:p14="http://schemas.microsoft.com/office/powerpoint/2010/main" xmlns:p15="http://schemas.microsoft.com/office/powerpoint/2012/main">
+  <p:cSld>
+    <p:spTree>
+      <p:nvGrpSpPr>
+        <p:cNvPr id="315" name="Shape 315"/>
+        <p:cNvGrpSpPr/>
+        <p:nvPr/>
+      </p:nvGrpSpPr>
+      <p:grpSpPr>
+        <a:xfrm>
+          <a:off x="0" y="0"/>
+          <a:ext cx="0" cy="0"/>
+          <a:chOff x="0" y="0"/>
+          <a:chExt cx="0" cy="0"/>
+        </a:xfrm>
+      </p:grpSpPr>
+      <p:pic>
+        <p:nvPicPr>
+          <p:cNvPr id="316" name="Google Shape;316;p19"/>
           <p:cNvPicPr preferRelativeResize="0"/>
           <p:nvPr/>
         </p:nvPicPr>
@@ -17750,14 +17942,14 @@
       </p:pic>
       <p:sp>
         <p:nvSpPr>
-          <p:cNvPr id="318" name="Google Shape;318;p19"/>
+          <p:cNvPr id="317" name="Google Shape;317;p19"/>
           <p:cNvSpPr txBox="1"/>
           <p:nvPr/>
         </p:nvSpPr>
         <p:spPr>
           <a:xfrm>
             <a:off x="2178750" y="3857625"/>
-            <a:ext cx="4786500" cy="525000"/>
+            <a:ext cx="4786500" cy="710700"/>
           </a:xfrm>
           <a:prstGeom prst="rect">
             <a:avLst/>
@@ -17791,7 +17983,7 @@
                   <a:srgbClr val="FFFFFF"/>
                 </a:highlight>
               </a:rPr>
-              <a:t>El número de periodos que se debe dejar invertido el dinero para llegar a la meta de 12500 es 32. Al final del periodo 32, el capital es 12560.0.</a:t>
+              <a:t>El número de periodos que se debe dejar invertido el dinero para llegar a la meta de 12500 es 32. Con un saldo inicial de 10,000, al final del periodo 32, el capital es 12560 con una tasa del 0.8%.</a:t>
             </a:r>
             <a:endParaRPr sz="1050">
               <a:highlight>
@@ -17834,7 +18026,7 @@
   <p:cSld>
     <p:spTree>
       <p:nvGrpSpPr>
-        <p:cNvPr id="322" name="Shape 322"/>
+        <p:cNvPr id="321" name="Shape 321"/>
         <p:cNvGrpSpPr/>
         <p:nvPr/>
       </p:nvGrpSpPr>
@@ -17848,7 +18040,7 @@
       </p:grpSpPr>
       <p:sp>
         <p:nvSpPr>
-          <p:cNvPr id="323" name="Google Shape;323;p20"/>
+          <p:cNvPr id="322" name="Google Shape;322;p20"/>
           <p:cNvSpPr txBox="1"/>
           <p:nvPr>
             <p:ph type="title"/>
@@ -17888,7 +18080,7 @@
       </p:sp>
       <p:sp>
         <p:nvSpPr>
-          <p:cNvPr id="324" name="Google Shape;324;p20"/>
+          <p:cNvPr id="323" name="Google Shape;323;p20"/>
           <p:cNvSpPr txBox="1"/>
           <p:nvPr>
             <p:ph idx="1" type="body"/>
@@ -17920,7 +18112,7 @@
             </a:pPr>
             <a:r>
               <a:rPr lang="es"/>
-              <a:t>Las inversiones dependen mucho de la tasa de interés que ofrece cada banco y con su monto mínimo de apertura. Pueden tanto beneficiar a largo plazo, como dañar la economía de la persona que está haciendo un ahorro.</a:t>
+              <a:t>Las inversiones dependen mucho de la tasa de interés que ofrece cada banco y con su monto mínimo de apertura. Pueden tanto beneficiar a largo plazo, como dañar la economía de la persona que está haciendo un ahorro. El uso de estos métodos pueden optimizar las finanzas de los usuarios y brindarles mejores servicios con mejores resultados.</a:t>
             </a:r>
             <a:endParaRPr/>
           </a:p>
@@ -17969,7 +18161,7 @@
   <p:cSld>
     <p:spTree>
       <p:nvGrpSpPr>
-        <p:cNvPr id="328" name="Shape 328"/>
+        <p:cNvPr id="327" name="Shape 327"/>
         <p:cNvGrpSpPr/>
         <p:nvPr/>
       </p:nvGrpSpPr>
@@ -17983,7 +18175,7 @@
       </p:grpSpPr>
       <p:sp>
         <p:nvSpPr>
-          <p:cNvPr id="329" name="Google Shape;329;p21"/>
+          <p:cNvPr id="328" name="Google Shape;328;p21"/>
           <p:cNvSpPr txBox="1"/>
           <p:nvPr>
             <p:ph type="title"/>
@@ -18023,7 +18215,7 @@
       </p:sp>
       <p:sp>
         <p:nvSpPr>
-          <p:cNvPr id="330" name="Google Shape;330;p21"/>
+          <p:cNvPr id="329" name="Google Shape;329;p21"/>
           <p:cNvSpPr txBox="1"/>
           <p:nvPr>
             <p:ph idx="1" type="body"/>
